--- a/slides/UART.pptx
+++ b/slides/UART.pptx
@@ -138,7 +138,7 @@
   </p:defaultTextStyle>
   <p:extLst>
     <p:ext uri="{521415D9-36F7-43E2-AB2F-B90AF26B5E84}">
-      <p14:sectionLst xmlns:p14="http://schemas.microsoft.com/office/powerpoint/2010/main">
+      <p14:sectionLst xmlns:p14="http://schemas.microsoft.com/office/powerpoint/2010/main" xmlns="">
         <p14:section name="Default Section" id="{C43EA715-99CA-4C45-AF10-E45A309E305A}">
           <p14:sldIdLst>
             <p14:sldId id="256"/>
@@ -183,7 +183,7 @@
       </p14:sectionLst>
     </p:ext>
     <p:ext uri="{EFAFB233-063F-42B5-8137-9DF3F51BA10A}">
-      <p15:sldGuideLst xmlns:p15="http://schemas.microsoft.com/office/powerpoint/2012/main"/>
+      <p15:sldGuideLst xmlns:p15="http://schemas.microsoft.com/office/powerpoint/2012/main" xmlns=""/>
     </p:ext>
   </p:extLst>
 </p:presentation>
@@ -415,7 +415,8 @@
           <a:p>
             <a:fld id="{10540D73-8DA1-4C2D-ABB3-8235D3AA152E}" type="datetimeFigureOut">
               <a:rPr lang="en-US" smtClean="0"/>
-              <a:t>11/3/2019</a:t>
+              <a:pPr/>
+              <a:t>4/17/2020</a:t>
             </a:fld>
             <a:endParaRPr lang="en-US"/>
           </a:p>
@@ -457,6 +458,7 @@
           <a:p>
             <a:fld id="{8B642A72-4ADB-40AC-876C-42F69FA2414D}" type="slidenum">
               <a:rPr lang="en-US" smtClean="0"/>
+              <a:pPr/>
               <a:t>‹#›</a:t>
             </a:fld>
             <a:endParaRPr lang="en-US"/>
@@ -504,7 +506,7 @@
     </p:spTree>
     <p:extLst>
       <p:ext uri="{BB962C8B-B14F-4D97-AF65-F5344CB8AC3E}">
-        <p14:creationId xmlns:p14="http://schemas.microsoft.com/office/powerpoint/2010/main" val="1648118095"/>
+        <p14:creationId xmlns:p14="http://schemas.microsoft.com/office/powerpoint/2010/main" xmlns="" val="1648118095"/>
       </p:ext>
     </p:extLst>
   </p:cSld>
@@ -623,7 +625,8 @@
           <a:p>
             <a:fld id="{10540D73-8DA1-4C2D-ABB3-8235D3AA152E}" type="datetimeFigureOut">
               <a:rPr lang="en-US" smtClean="0"/>
-              <a:t>11/3/2019</a:t>
+              <a:pPr/>
+              <a:t>4/17/2020</a:t>
             </a:fld>
             <a:endParaRPr lang="en-US"/>
           </a:p>
@@ -665,6 +668,7 @@
           <a:p>
             <a:fld id="{8B642A72-4ADB-40AC-876C-42F69FA2414D}" type="slidenum">
               <a:rPr lang="en-US" smtClean="0"/>
+              <a:pPr/>
               <a:t>‹#›</a:t>
             </a:fld>
             <a:endParaRPr lang="en-US"/>
@@ -674,7 +678,7 @@
     </p:spTree>
     <p:extLst>
       <p:ext uri="{BB962C8B-B14F-4D97-AF65-F5344CB8AC3E}">
-        <p14:creationId xmlns:p14="http://schemas.microsoft.com/office/powerpoint/2010/main" val="3713209591"/>
+        <p14:creationId xmlns:p14="http://schemas.microsoft.com/office/powerpoint/2010/main" xmlns="" val="3713209591"/>
       </p:ext>
     </p:extLst>
   </p:cSld>
@@ -879,7 +883,8 @@
           <a:p>
             <a:fld id="{10540D73-8DA1-4C2D-ABB3-8235D3AA152E}" type="datetimeFigureOut">
               <a:rPr lang="en-US" smtClean="0"/>
-              <a:t>11/3/2019</a:t>
+              <a:pPr/>
+              <a:t>4/17/2020</a:t>
             </a:fld>
             <a:endParaRPr lang="en-US"/>
           </a:p>
@@ -921,6 +926,7 @@
           <a:p>
             <a:fld id="{8B642A72-4ADB-40AC-876C-42F69FA2414D}" type="slidenum">
               <a:rPr lang="en-US" smtClean="0"/>
+              <a:pPr/>
               <a:t>‹#›</a:t>
             </a:fld>
             <a:endParaRPr lang="en-US"/>
@@ -930,7 +936,7 @@
     </p:spTree>
     <p:extLst>
       <p:ext uri="{BB962C8B-B14F-4D97-AF65-F5344CB8AC3E}">
-        <p14:creationId xmlns:p14="http://schemas.microsoft.com/office/powerpoint/2010/main" val="2807415191"/>
+        <p14:creationId xmlns:p14="http://schemas.microsoft.com/office/powerpoint/2010/main" xmlns="" val="2807415191"/>
       </p:ext>
     </p:extLst>
   </p:cSld>
@@ -1053,7 +1059,8 @@
           <a:p>
             <a:fld id="{10540D73-8DA1-4C2D-ABB3-8235D3AA152E}" type="datetimeFigureOut">
               <a:rPr lang="en-US" smtClean="0"/>
-              <a:t>11/3/2019</a:t>
+              <a:pPr/>
+              <a:t>4/17/2020</a:t>
             </a:fld>
             <a:endParaRPr lang="en-US"/>
           </a:p>
@@ -1095,6 +1102,7 @@
           <a:p>
             <a:fld id="{8B642A72-4ADB-40AC-876C-42F69FA2414D}" type="slidenum">
               <a:rPr lang="en-US" smtClean="0"/>
+              <a:pPr/>
               <a:t>‹#›</a:t>
             </a:fld>
             <a:endParaRPr lang="en-US"/>
@@ -1104,7 +1112,7 @@
     </p:spTree>
     <p:extLst>
       <p:ext uri="{BB962C8B-B14F-4D97-AF65-F5344CB8AC3E}">
-        <p14:creationId xmlns:p14="http://schemas.microsoft.com/office/powerpoint/2010/main" val="3787668845"/>
+        <p14:creationId xmlns:p14="http://schemas.microsoft.com/office/powerpoint/2010/main" xmlns="" val="3787668845"/>
       </p:ext>
     </p:extLst>
   </p:cSld>
@@ -1396,7 +1404,8 @@
           <a:p>
             <a:fld id="{10540D73-8DA1-4C2D-ABB3-8235D3AA152E}" type="datetimeFigureOut">
               <a:rPr lang="en-US" smtClean="0"/>
-              <a:t>11/3/2019</a:t>
+              <a:pPr/>
+              <a:t>4/17/2020</a:t>
             </a:fld>
             <a:endParaRPr lang="en-US"/>
           </a:p>
@@ -1438,6 +1447,7 @@
           <a:p>
             <a:fld id="{8B642A72-4ADB-40AC-876C-42F69FA2414D}" type="slidenum">
               <a:rPr lang="en-US" smtClean="0"/>
+              <a:pPr/>
               <a:t>‹#›</a:t>
             </a:fld>
             <a:endParaRPr lang="en-US"/>
@@ -1485,7 +1495,7 @@
     </p:spTree>
     <p:extLst>
       <p:ext uri="{BB962C8B-B14F-4D97-AF65-F5344CB8AC3E}">
-        <p14:creationId xmlns:p14="http://schemas.microsoft.com/office/powerpoint/2010/main" val="46680011"/>
+        <p14:creationId xmlns:p14="http://schemas.microsoft.com/office/powerpoint/2010/main" xmlns="" val="46680011"/>
       </p:ext>
     </p:extLst>
   </p:cSld>
@@ -1671,7 +1681,8 @@
           <a:p>
             <a:fld id="{10540D73-8DA1-4C2D-ABB3-8235D3AA152E}" type="datetimeFigureOut">
               <a:rPr lang="en-US" smtClean="0"/>
-              <a:t>11/3/2019</a:t>
+              <a:pPr/>
+              <a:t>4/17/2020</a:t>
             </a:fld>
             <a:endParaRPr lang="en-US"/>
           </a:p>
@@ -1713,6 +1724,7 @@
           <a:p>
             <a:fld id="{8B642A72-4ADB-40AC-876C-42F69FA2414D}" type="slidenum">
               <a:rPr lang="en-US" smtClean="0"/>
+              <a:pPr/>
               <a:t>‹#›</a:t>
             </a:fld>
             <a:endParaRPr lang="en-US"/>
@@ -1722,7 +1734,7 @@
     </p:spTree>
     <p:extLst>
       <p:ext uri="{BB962C8B-B14F-4D97-AF65-F5344CB8AC3E}">
-        <p14:creationId xmlns:p14="http://schemas.microsoft.com/office/powerpoint/2010/main" val="2260087128"/>
+        <p14:creationId xmlns:p14="http://schemas.microsoft.com/office/powerpoint/2010/main" xmlns="" val="2260087128"/>
       </p:ext>
     </p:extLst>
   </p:cSld>
@@ -2050,7 +2062,8 @@
           <a:p>
             <a:fld id="{10540D73-8DA1-4C2D-ABB3-8235D3AA152E}" type="datetimeFigureOut">
               <a:rPr lang="en-US" smtClean="0"/>
-              <a:t>11/3/2019</a:t>
+              <a:pPr/>
+              <a:t>4/17/2020</a:t>
             </a:fld>
             <a:endParaRPr lang="en-US"/>
           </a:p>
@@ -2092,6 +2105,7 @@
           <a:p>
             <a:fld id="{8B642A72-4ADB-40AC-876C-42F69FA2414D}" type="slidenum">
               <a:rPr lang="en-US" smtClean="0"/>
+              <a:pPr/>
               <a:t>‹#›</a:t>
             </a:fld>
             <a:endParaRPr lang="en-US"/>
@@ -2101,7 +2115,7 @@
     </p:spTree>
     <p:extLst>
       <p:ext uri="{BB962C8B-B14F-4D97-AF65-F5344CB8AC3E}">
-        <p14:creationId xmlns:p14="http://schemas.microsoft.com/office/powerpoint/2010/main" val="1442683846"/>
+        <p14:creationId xmlns:p14="http://schemas.microsoft.com/office/powerpoint/2010/main" xmlns="" val="1442683846"/>
       </p:ext>
     </p:extLst>
   </p:cSld>
@@ -2168,7 +2182,8 @@
           <a:p>
             <a:fld id="{10540D73-8DA1-4C2D-ABB3-8235D3AA152E}" type="datetimeFigureOut">
               <a:rPr lang="en-US" smtClean="0"/>
-              <a:t>11/3/2019</a:t>
+              <a:pPr/>
+              <a:t>4/17/2020</a:t>
             </a:fld>
             <a:endParaRPr lang="en-US"/>
           </a:p>
@@ -2210,6 +2225,7 @@
           <a:p>
             <a:fld id="{8B642A72-4ADB-40AC-876C-42F69FA2414D}" type="slidenum">
               <a:rPr lang="en-US" smtClean="0"/>
+              <a:pPr/>
               <a:t>‹#›</a:t>
             </a:fld>
             <a:endParaRPr lang="en-US"/>
@@ -2219,7 +2235,7 @@
     </p:spTree>
     <p:extLst>
       <p:ext uri="{BB962C8B-B14F-4D97-AF65-F5344CB8AC3E}">
-        <p14:creationId xmlns:p14="http://schemas.microsoft.com/office/powerpoint/2010/main" val="255121979"/>
+        <p14:creationId xmlns:p14="http://schemas.microsoft.com/office/powerpoint/2010/main" xmlns="" val="255121979"/>
       </p:ext>
     </p:extLst>
   </p:cSld>
@@ -2339,7 +2355,8 @@
           <a:p>
             <a:fld id="{10540D73-8DA1-4C2D-ABB3-8235D3AA152E}" type="datetimeFigureOut">
               <a:rPr lang="en-US" smtClean="0"/>
-              <a:t>11/3/2019</a:t>
+              <a:pPr/>
+              <a:t>4/17/2020</a:t>
             </a:fld>
             <a:endParaRPr lang="en-US"/>
           </a:p>
@@ -2389,6 +2406,7 @@
           <a:p>
             <a:fld id="{8B642A72-4ADB-40AC-876C-42F69FA2414D}" type="slidenum">
               <a:rPr lang="en-US" smtClean="0"/>
+              <a:pPr/>
               <a:t>‹#›</a:t>
             </a:fld>
             <a:endParaRPr lang="en-US"/>
@@ -2398,7 +2416,7 @@
     </p:spTree>
     <p:extLst>
       <p:ext uri="{BB962C8B-B14F-4D97-AF65-F5344CB8AC3E}">
-        <p14:creationId xmlns:p14="http://schemas.microsoft.com/office/powerpoint/2010/main" val="1783707289"/>
+        <p14:creationId xmlns:p14="http://schemas.microsoft.com/office/powerpoint/2010/main" xmlns="" val="1783707289"/>
       </p:ext>
     </p:extLst>
   </p:cSld>
@@ -2693,7 +2711,8 @@
           <a:p>
             <a:fld id="{10540D73-8DA1-4C2D-ABB3-8235D3AA152E}" type="datetimeFigureOut">
               <a:rPr lang="en-US" smtClean="0"/>
-              <a:t>11/3/2019</a:t>
+              <a:pPr/>
+              <a:t>4/17/2020</a:t>
             </a:fld>
             <a:endParaRPr lang="en-US"/>
           </a:p>
@@ -2756,6 +2775,7 @@
           <a:p>
             <a:fld id="{8B642A72-4ADB-40AC-876C-42F69FA2414D}" type="slidenum">
               <a:rPr lang="en-US" smtClean="0"/>
+              <a:pPr/>
               <a:t>‹#›</a:t>
             </a:fld>
             <a:endParaRPr lang="en-US"/>
@@ -2765,7 +2785,7 @@
     </p:spTree>
     <p:extLst>
       <p:ext uri="{BB962C8B-B14F-4D97-AF65-F5344CB8AC3E}">
-        <p14:creationId xmlns:p14="http://schemas.microsoft.com/office/powerpoint/2010/main" val="3824371285"/>
+        <p14:creationId xmlns:p14="http://schemas.microsoft.com/office/powerpoint/2010/main" xmlns="" val="3824371285"/>
       </p:ext>
     </p:extLst>
   </p:cSld>
@@ -3075,7 +3095,8 @@
           <a:p>
             <a:fld id="{10540D73-8DA1-4C2D-ABB3-8235D3AA152E}" type="datetimeFigureOut">
               <a:rPr lang="en-US" smtClean="0"/>
-              <a:t>11/3/2019</a:t>
+              <a:pPr/>
+              <a:t>4/17/2020</a:t>
             </a:fld>
             <a:endParaRPr lang="en-US"/>
           </a:p>
@@ -3117,6 +3138,7 @@
           <a:p>
             <a:fld id="{8B642A72-4ADB-40AC-876C-42F69FA2414D}" type="slidenum">
               <a:rPr lang="en-US" smtClean="0"/>
+              <a:pPr/>
               <a:t>‹#›</a:t>
             </a:fld>
             <a:endParaRPr lang="en-US"/>
@@ -3126,7 +3148,7 @@
     </p:spTree>
     <p:extLst>
       <p:ext uri="{BB962C8B-B14F-4D97-AF65-F5344CB8AC3E}">
-        <p14:creationId xmlns:p14="http://schemas.microsoft.com/office/powerpoint/2010/main" val="3605599986"/>
+        <p14:creationId xmlns:p14="http://schemas.microsoft.com/office/powerpoint/2010/main" xmlns="" val="3605599986"/>
       </p:ext>
     </p:extLst>
   </p:cSld>
@@ -3362,7 +3384,8 @@
           <a:p>
             <a:fld id="{10540D73-8DA1-4C2D-ABB3-8235D3AA152E}" type="datetimeFigureOut">
               <a:rPr lang="en-US" smtClean="0"/>
-              <a:t>11/3/2019</a:t>
+              <a:pPr/>
+              <a:t>4/17/2020</a:t>
             </a:fld>
             <a:endParaRPr lang="en-US"/>
           </a:p>
@@ -3436,6 +3459,7 @@
           <a:p>
             <a:fld id="{8B642A72-4ADB-40AC-876C-42F69FA2414D}" type="slidenum">
               <a:rPr lang="en-US" smtClean="0"/>
+              <a:pPr/>
               <a:t>‹#›</a:t>
             </a:fld>
             <a:endParaRPr lang="en-US"/>
@@ -3483,7 +3507,7 @@
     </p:spTree>
     <p:extLst>
       <p:ext uri="{BB962C8B-B14F-4D97-AF65-F5344CB8AC3E}">
-        <p14:creationId xmlns:p14="http://schemas.microsoft.com/office/powerpoint/2010/main" val="3623763033"/>
+        <p14:creationId xmlns:p14="http://schemas.microsoft.com/office/powerpoint/2010/main" xmlns="" val="3623763033"/>
       </p:ext>
     </p:extLst>
   </p:cSld>
@@ -3932,10 +3956,40 @@
           </a:p>
         </p:txBody>
       </p:sp>
+      <p:pic>
+        <p:nvPicPr>
+          <p:cNvPr id="4" name="Picture 3"/>
+          <p:cNvPicPr>
+            <a:picLocks noChangeAspect="1"/>
+          </p:cNvPicPr>
+          <p:nvPr/>
+        </p:nvPicPr>
+        <p:blipFill>
+          <a:blip r:embed="rId2" cstate="print">
+            <a:extLst>
+              <a:ext uri="{28A0092B-C50C-407E-A947-70E740481C1C}">
+                <a14:useLocalDpi xmlns="" xmlns:a14="http://schemas.microsoft.com/office/drawing/2010/main" xmlns:lc="http://schemas.openxmlformats.org/drawingml/2006/lockedCanvas" val="0"/>
+              </a:ext>
+            </a:extLst>
+          </a:blip>
+          <a:stretch>
+            <a:fillRect/>
+          </a:stretch>
+        </p:blipFill>
+        <p:spPr>
+          <a:xfrm>
+            <a:off x="0" y="0"/>
+            <a:ext cx="1062463" cy="751114"/>
+          </a:xfrm>
+          <a:prstGeom prst="rect">
+            <a:avLst/>
+          </a:prstGeom>
+        </p:spPr>
+      </p:pic>
     </p:spTree>
     <p:extLst>
       <p:ext uri="{BB962C8B-B14F-4D97-AF65-F5344CB8AC3E}">
-        <p14:creationId xmlns:p14="http://schemas.microsoft.com/office/powerpoint/2010/main" val="1125220804"/>
+        <p14:creationId xmlns:p14="http://schemas.microsoft.com/office/powerpoint/2010/main" xmlns="" val="1125220804"/>
       </p:ext>
     </p:extLst>
   </p:cSld>
@@ -3999,7 +4053,7 @@
           <a:blip r:embed="rId2">
             <a:extLst>
               <a:ext uri="{28A0092B-C50C-407E-A947-70E740481C1C}">
-                <a14:useLocalDpi xmlns:a14="http://schemas.microsoft.com/office/drawing/2010/main" val="0"/>
+                <a14:useLocalDpi xmlns:a14="http://schemas.microsoft.com/office/drawing/2010/main" xmlns="" val="0"/>
               </a:ext>
             </a:extLst>
           </a:blip>
@@ -4023,14 +4077,14 @@
           <a:effectLst/>
           <a:extLst>
             <a:ext uri="{909E8E84-426E-40DD-AFC4-6F175D3DCCD1}">
-              <a14:hiddenFill xmlns:a14="http://schemas.microsoft.com/office/drawing/2010/main">
+              <a14:hiddenFill xmlns:a14="http://schemas.microsoft.com/office/drawing/2010/main" xmlns="">
                 <a:solidFill>
                   <a:schemeClr val="accent1"/>
                 </a:solidFill>
               </a14:hiddenFill>
             </a:ext>
             <a:ext uri="{91240B29-F687-4F45-9708-019B960494DF}">
-              <a14:hiddenLine xmlns:a14="http://schemas.microsoft.com/office/drawing/2010/main" w="9525">
+              <a14:hiddenLine xmlns:a14="http://schemas.microsoft.com/office/drawing/2010/main" xmlns="" w="9525">
                 <a:solidFill>
                   <a:schemeClr val="tx1"/>
                 </a:solidFill>
@@ -4040,7 +4094,7 @@
               </a14:hiddenLine>
             </a:ext>
             <a:ext uri="{AF507438-7753-43E0-B8FC-AC1667EBCBE1}">
-              <a14:hiddenEffects xmlns:a14="http://schemas.microsoft.com/office/drawing/2010/main">
+              <a14:hiddenEffects xmlns:a14="http://schemas.microsoft.com/office/drawing/2010/main" xmlns="">
                 <a:effectLst>
                   <a:outerShdw dist="35921" dir="2700000" algn="ctr" rotWithShape="0">
                     <a:schemeClr val="bg2"/>
@@ -4051,10 +4105,40 @@
           </a:extLst>
         </p:spPr>
       </p:pic>
+      <p:pic>
+        <p:nvPicPr>
+          <p:cNvPr id="5" name="Picture 4"/>
+          <p:cNvPicPr>
+            <a:picLocks noChangeAspect="1"/>
+          </p:cNvPicPr>
+          <p:nvPr/>
+        </p:nvPicPr>
+        <p:blipFill>
+          <a:blip r:embed="rId3" cstate="print">
+            <a:extLst>
+              <a:ext uri="{28A0092B-C50C-407E-A947-70E740481C1C}">
+                <a14:useLocalDpi xmlns="" xmlns:a14="http://schemas.microsoft.com/office/drawing/2010/main" xmlns:lc="http://schemas.openxmlformats.org/drawingml/2006/lockedCanvas" val="0"/>
+              </a:ext>
+            </a:extLst>
+          </a:blip>
+          <a:stretch>
+            <a:fillRect/>
+          </a:stretch>
+        </p:blipFill>
+        <p:spPr>
+          <a:xfrm>
+            <a:off x="0" y="0"/>
+            <a:ext cx="1062463" cy="751114"/>
+          </a:xfrm>
+          <a:prstGeom prst="rect">
+            <a:avLst/>
+          </a:prstGeom>
+        </p:spPr>
+      </p:pic>
     </p:spTree>
     <p:extLst>
       <p:ext uri="{BB962C8B-B14F-4D97-AF65-F5344CB8AC3E}">
-        <p14:creationId xmlns:p14="http://schemas.microsoft.com/office/powerpoint/2010/main" val="2402505165"/>
+        <p14:creationId xmlns:p14="http://schemas.microsoft.com/office/powerpoint/2010/main" xmlns="" val="2402505165"/>
       </p:ext>
     </p:extLst>
   </p:cSld>
@@ -4129,10 +4213,40 @@
           </a:p>
         </p:txBody>
       </p:sp>
+      <p:pic>
+        <p:nvPicPr>
+          <p:cNvPr id="4" name="Picture 3"/>
+          <p:cNvPicPr>
+            <a:picLocks noChangeAspect="1"/>
+          </p:cNvPicPr>
+          <p:nvPr/>
+        </p:nvPicPr>
+        <p:blipFill>
+          <a:blip r:embed="rId2" cstate="print">
+            <a:extLst>
+              <a:ext uri="{28A0092B-C50C-407E-A947-70E740481C1C}">
+                <a14:useLocalDpi xmlns="" xmlns:a14="http://schemas.microsoft.com/office/drawing/2010/main" xmlns:lc="http://schemas.openxmlformats.org/drawingml/2006/lockedCanvas" val="0"/>
+              </a:ext>
+            </a:extLst>
+          </a:blip>
+          <a:stretch>
+            <a:fillRect/>
+          </a:stretch>
+        </p:blipFill>
+        <p:spPr>
+          <a:xfrm>
+            <a:off x="0" y="0"/>
+            <a:ext cx="1062463" cy="751114"/>
+          </a:xfrm>
+          <a:prstGeom prst="rect">
+            <a:avLst/>
+          </a:prstGeom>
+        </p:spPr>
+      </p:pic>
     </p:spTree>
     <p:extLst>
       <p:ext uri="{BB962C8B-B14F-4D97-AF65-F5344CB8AC3E}">
-        <p14:creationId xmlns:p14="http://schemas.microsoft.com/office/powerpoint/2010/main" val="2944326383"/>
+        <p14:creationId xmlns:p14="http://schemas.microsoft.com/office/powerpoint/2010/main" xmlns="" val="2944326383"/>
       </p:ext>
     </p:extLst>
   </p:cSld>
@@ -4196,7 +4310,7 @@
           <a:blip r:embed="rId2">
             <a:extLst>
               <a:ext uri="{28A0092B-C50C-407E-A947-70E740481C1C}">
-                <a14:useLocalDpi xmlns:a14="http://schemas.microsoft.com/office/drawing/2010/main" val="0"/>
+                <a14:useLocalDpi xmlns:a14="http://schemas.microsoft.com/office/drawing/2010/main" xmlns="" val="0"/>
               </a:ext>
             </a:extLst>
           </a:blip>
@@ -4220,14 +4334,14 @@
           <a:effectLst/>
           <a:extLst>
             <a:ext uri="{909E8E84-426E-40DD-AFC4-6F175D3DCCD1}">
-              <a14:hiddenFill xmlns:a14="http://schemas.microsoft.com/office/drawing/2010/main">
+              <a14:hiddenFill xmlns:a14="http://schemas.microsoft.com/office/drawing/2010/main" xmlns="">
                 <a:solidFill>
                   <a:schemeClr val="accent1"/>
                 </a:solidFill>
               </a14:hiddenFill>
             </a:ext>
             <a:ext uri="{91240B29-F687-4F45-9708-019B960494DF}">
-              <a14:hiddenLine xmlns:a14="http://schemas.microsoft.com/office/drawing/2010/main" w="9525">
+              <a14:hiddenLine xmlns:a14="http://schemas.microsoft.com/office/drawing/2010/main" xmlns="" w="9525">
                 <a:solidFill>
                   <a:schemeClr val="tx1"/>
                 </a:solidFill>
@@ -4237,7 +4351,7 @@
               </a14:hiddenLine>
             </a:ext>
             <a:ext uri="{AF507438-7753-43E0-B8FC-AC1667EBCBE1}">
-              <a14:hiddenEffects xmlns:a14="http://schemas.microsoft.com/office/drawing/2010/main">
+              <a14:hiddenEffects xmlns:a14="http://schemas.microsoft.com/office/drawing/2010/main" xmlns="">
                 <a:effectLst>
                   <a:outerShdw dist="35921" dir="2700000" algn="ctr" rotWithShape="0">
                     <a:schemeClr val="bg2"/>
@@ -4251,7 +4365,7 @@
     </p:spTree>
     <p:extLst>
       <p:ext uri="{BB962C8B-B14F-4D97-AF65-F5344CB8AC3E}">
-        <p14:creationId xmlns:p14="http://schemas.microsoft.com/office/powerpoint/2010/main" val="3958702818"/>
+        <p14:creationId xmlns:p14="http://schemas.microsoft.com/office/powerpoint/2010/main" xmlns="" val="3958702818"/>
       </p:ext>
     </p:extLst>
   </p:cSld>
@@ -4334,10 +4448,40 @@
           </a:p>
         </p:txBody>
       </p:sp>
+      <p:pic>
+        <p:nvPicPr>
+          <p:cNvPr id="4" name="Picture 3"/>
+          <p:cNvPicPr>
+            <a:picLocks noChangeAspect="1"/>
+          </p:cNvPicPr>
+          <p:nvPr/>
+        </p:nvPicPr>
+        <p:blipFill>
+          <a:blip r:embed="rId2" cstate="print">
+            <a:extLst>
+              <a:ext uri="{28A0092B-C50C-407E-A947-70E740481C1C}">
+                <a14:useLocalDpi xmlns="" xmlns:a14="http://schemas.microsoft.com/office/drawing/2010/main" xmlns:lc="http://schemas.openxmlformats.org/drawingml/2006/lockedCanvas" val="0"/>
+              </a:ext>
+            </a:extLst>
+          </a:blip>
+          <a:stretch>
+            <a:fillRect/>
+          </a:stretch>
+        </p:blipFill>
+        <p:spPr>
+          <a:xfrm>
+            <a:off x="0" y="0"/>
+            <a:ext cx="1062463" cy="751114"/>
+          </a:xfrm>
+          <a:prstGeom prst="rect">
+            <a:avLst/>
+          </a:prstGeom>
+        </p:spPr>
+      </p:pic>
     </p:spTree>
     <p:extLst>
       <p:ext uri="{BB962C8B-B14F-4D97-AF65-F5344CB8AC3E}">
-        <p14:creationId xmlns:p14="http://schemas.microsoft.com/office/powerpoint/2010/main" val="2664060620"/>
+        <p14:creationId xmlns:p14="http://schemas.microsoft.com/office/powerpoint/2010/main" xmlns="" val="2664060620"/>
       </p:ext>
     </p:extLst>
   </p:cSld>
@@ -4440,10 +4584,40 @@
           </a:p>
         </p:txBody>
       </p:sp>
+      <p:pic>
+        <p:nvPicPr>
+          <p:cNvPr id="4" name="Picture 3"/>
+          <p:cNvPicPr>
+            <a:picLocks noChangeAspect="1"/>
+          </p:cNvPicPr>
+          <p:nvPr/>
+        </p:nvPicPr>
+        <p:blipFill>
+          <a:blip r:embed="rId2" cstate="print">
+            <a:extLst>
+              <a:ext uri="{28A0092B-C50C-407E-A947-70E740481C1C}">
+                <a14:useLocalDpi xmlns="" xmlns:a14="http://schemas.microsoft.com/office/drawing/2010/main" xmlns:lc="http://schemas.openxmlformats.org/drawingml/2006/lockedCanvas" val="0"/>
+              </a:ext>
+            </a:extLst>
+          </a:blip>
+          <a:stretch>
+            <a:fillRect/>
+          </a:stretch>
+        </p:blipFill>
+        <p:spPr>
+          <a:xfrm>
+            <a:off x="0" y="0"/>
+            <a:ext cx="1062463" cy="751114"/>
+          </a:xfrm>
+          <a:prstGeom prst="rect">
+            <a:avLst/>
+          </a:prstGeom>
+        </p:spPr>
+      </p:pic>
     </p:spTree>
     <p:extLst>
       <p:ext uri="{BB962C8B-B14F-4D97-AF65-F5344CB8AC3E}">
-        <p14:creationId xmlns:p14="http://schemas.microsoft.com/office/powerpoint/2010/main" val="2670780256"/>
+        <p14:creationId xmlns:p14="http://schemas.microsoft.com/office/powerpoint/2010/main" xmlns="" val="2670780256"/>
       </p:ext>
     </p:extLst>
   </p:cSld>
@@ -4516,10 +4690,40 @@
           </a:p>
         </p:txBody>
       </p:sp>
+      <p:pic>
+        <p:nvPicPr>
+          <p:cNvPr id="4" name="Picture 3"/>
+          <p:cNvPicPr>
+            <a:picLocks noChangeAspect="1"/>
+          </p:cNvPicPr>
+          <p:nvPr/>
+        </p:nvPicPr>
+        <p:blipFill>
+          <a:blip r:embed="rId2" cstate="print">
+            <a:extLst>
+              <a:ext uri="{28A0092B-C50C-407E-A947-70E740481C1C}">
+                <a14:useLocalDpi xmlns="" xmlns:a14="http://schemas.microsoft.com/office/drawing/2010/main" xmlns:lc="http://schemas.openxmlformats.org/drawingml/2006/lockedCanvas" val="0"/>
+              </a:ext>
+            </a:extLst>
+          </a:blip>
+          <a:stretch>
+            <a:fillRect/>
+          </a:stretch>
+        </p:blipFill>
+        <p:spPr>
+          <a:xfrm>
+            <a:off x="0" y="0"/>
+            <a:ext cx="1062463" cy="751114"/>
+          </a:xfrm>
+          <a:prstGeom prst="rect">
+            <a:avLst/>
+          </a:prstGeom>
+        </p:spPr>
+      </p:pic>
     </p:spTree>
     <p:extLst>
       <p:ext uri="{BB962C8B-B14F-4D97-AF65-F5344CB8AC3E}">
-        <p14:creationId xmlns:p14="http://schemas.microsoft.com/office/powerpoint/2010/main" val="1635582861"/>
+        <p14:creationId xmlns:p14="http://schemas.microsoft.com/office/powerpoint/2010/main" xmlns="" val="1635582861"/>
       </p:ext>
     </p:extLst>
   </p:cSld>
@@ -4583,7 +4787,7 @@
           <a:blip r:embed="rId2">
             <a:extLst>
               <a:ext uri="{28A0092B-C50C-407E-A947-70E740481C1C}">
-                <a14:useLocalDpi xmlns:a14="http://schemas.microsoft.com/office/drawing/2010/main" val="0"/>
+                <a14:useLocalDpi xmlns:a14="http://schemas.microsoft.com/office/drawing/2010/main" xmlns="" val="0"/>
               </a:ext>
             </a:extLst>
           </a:blip>
@@ -4603,7 +4807,7 @@
           <a:noFill/>
           <a:extLst>
             <a:ext uri="{909E8E84-426E-40DD-AFC4-6F175D3DCCD1}">
-              <a14:hiddenFill xmlns:a14="http://schemas.microsoft.com/office/drawing/2010/main">
+              <a14:hiddenFill xmlns:a14="http://schemas.microsoft.com/office/drawing/2010/main" xmlns="">
                 <a:solidFill>
                   <a:srgbClr val="FFFFFF"/>
                 </a:solidFill>
@@ -4612,10 +4816,40 @@
           </a:extLst>
         </p:spPr>
       </p:pic>
+      <p:pic>
+        <p:nvPicPr>
+          <p:cNvPr id="4" name="Picture 3"/>
+          <p:cNvPicPr>
+            <a:picLocks noChangeAspect="1"/>
+          </p:cNvPicPr>
+          <p:nvPr/>
+        </p:nvPicPr>
+        <p:blipFill>
+          <a:blip r:embed="rId3" cstate="print">
+            <a:extLst>
+              <a:ext uri="{28A0092B-C50C-407E-A947-70E740481C1C}">
+                <a14:useLocalDpi xmlns="" xmlns:a14="http://schemas.microsoft.com/office/drawing/2010/main" xmlns:lc="http://schemas.openxmlformats.org/drawingml/2006/lockedCanvas" val="0"/>
+              </a:ext>
+            </a:extLst>
+          </a:blip>
+          <a:stretch>
+            <a:fillRect/>
+          </a:stretch>
+        </p:blipFill>
+        <p:spPr>
+          <a:xfrm>
+            <a:off x="0" y="0"/>
+            <a:ext cx="1062463" cy="751114"/>
+          </a:xfrm>
+          <a:prstGeom prst="rect">
+            <a:avLst/>
+          </a:prstGeom>
+        </p:spPr>
+      </p:pic>
     </p:spTree>
     <p:extLst>
       <p:ext uri="{BB962C8B-B14F-4D97-AF65-F5344CB8AC3E}">
-        <p14:creationId xmlns:p14="http://schemas.microsoft.com/office/powerpoint/2010/main" val="1859399000"/>
+        <p14:creationId xmlns:p14="http://schemas.microsoft.com/office/powerpoint/2010/main" xmlns="" val="1859399000"/>
       </p:ext>
     </p:extLst>
   </p:cSld>
@@ -4684,7 +4918,7 @@
           <a:blip r:embed="rId2">
             <a:extLst>
               <a:ext uri="{28A0092B-C50C-407E-A947-70E740481C1C}">
-                <a14:useLocalDpi xmlns:a14="http://schemas.microsoft.com/office/drawing/2010/main" val="0"/>
+                <a14:useLocalDpi xmlns:a14="http://schemas.microsoft.com/office/drawing/2010/main" xmlns="" val="0"/>
               </a:ext>
             </a:extLst>
           </a:blip>
@@ -4704,7 +4938,7 @@
           <a:noFill/>
           <a:extLst>
             <a:ext uri="{909E8E84-426E-40DD-AFC4-6F175D3DCCD1}">
-              <a14:hiddenFill xmlns:a14="http://schemas.microsoft.com/office/drawing/2010/main">
+              <a14:hiddenFill xmlns:a14="http://schemas.microsoft.com/office/drawing/2010/main" xmlns="">
                 <a:solidFill>
                   <a:srgbClr val="FFFFFF"/>
                 </a:solidFill>
@@ -4725,7 +4959,7 @@
           <a:blip r:embed="rId3">
             <a:extLst>
               <a:ext uri="{28A0092B-C50C-407E-A947-70E740481C1C}">
-                <a14:useLocalDpi xmlns:a14="http://schemas.microsoft.com/office/drawing/2010/main" val="0"/>
+                <a14:useLocalDpi xmlns:a14="http://schemas.microsoft.com/office/drawing/2010/main" xmlns="" val="0"/>
               </a:ext>
             </a:extLst>
           </a:blip>
@@ -4745,7 +4979,7 @@
           <a:noFill/>
           <a:extLst>
             <a:ext uri="{909E8E84-426E-40DD-AFC4-6F175D3DCCD1}">
-              <a14:hiddenFill xmlns:a14="http://schemas.microsoft.com/office/drawing/2010/main">
+              <a14:hiddenFill xmlns:a14="http://schemas.microsoft.com/office/drawing/2010/main" xmlns="">
                 <a:solidFill>
                   <a:srgbClr val="FFFFFF"/>
                 </a:solidFill>
@@ -4754,10 +4988,40 @@
           </a:extLst>
         </p:spPr>
       </p:pic>
+      <p:pic>
+        <p:nvPicPr>
+          <p:cNvPr id="5" name="Picture 4"/>
+          <p:cNvPicPr>
+            <a:picLocks noChangeAspect="1"/>
+          </p:cNvPicPr>
+          <p:nvPr/>
+        </p:nvPicPr>
+        <p:blipFill>
+          <a:blip r:embed="rId4" cstate="print">
+            <a:extLst>
+              <a:ext uri="{28A0092B-C50C-407E-A947-70E740481C1C}">
+                <a14:useLocalDpi xmlns="" xmlns:a14="http://schemas.microsoft.com/office/drawing/2010/main" xmlns:lc="http://schemas.openxmlformats.org/drawingml/2006/lockedCanvas" val="0"/>
+              </a:ext>
+            </a:extLst>
+          </a:blip>
+          <a:stretch>
+            <a:fillRect/>
+          </a:stretch>
+        </p:blipFill>
+        <p:spPr>
+          <a:xfrm>
+            <a:off x="0" y="0"/>
+            <a:ext cx="1062463" cy="751114"/>
+          </a:xfrm>
+          <a:prstGeom prst="rect">
+            <a:avLst/>
+          </a:prstGeom>
+        </p:spPr>
+      </p:pic>
     </p:spTree>
     <p:extLst>
       <p:ext uri="{BB962C8B-B14F-4D97-AF65-F5344CB8AC3E}">
-        <p14:creationId xmlns:p14="http://schemas.microsoft.com/office/powerpoint/2010/main" val="980104387"/>
+        <p14:creationId xmlns:p14="http://schemas.microsoft.com/office/powerpoint/2010/main" xmlns="" val="980104387"/>
       </p:ext>
     </p:extLst>
   </p:cSld>
@@ -4825,7 +5089,7 @@
           <a:blip r:embed="rId2">
             <a:extLst>
               <a:ext uri="{28A0092B-C50C-407E-A947-70E740481C1C}">
-                <a14:useLocalDpi xmlns:a14="http://schemas.microsoft.com/office/drawing/2010/main" val="0"/>
+                <a14:useLocalDpi xmlns:a14="http://schemas.microsoft.com/office/drawing/2010/main" xmlns="" val="0"/>
               </a:ext>
             </a:extLst>
           </a:blip>
@@ -4845,7 +5109,7 @@
           <a:noFill/>
           <a:extLst>
             <a:ext uri="{909E8E84-426E-40DD-AFC4-6F175D3DCCD1}">
-              <a14:hiddenFill xmlns:a14="http://schemas.microsoft.com/office/drawing/2010/main">
+              <a14:hiddenFill xmlns:a14="http://schemas.microsoft.com/office/drawing/2010/main" xmlns="">
                 <a:solidFill>
                   <a:srgbClr val="FFFFFF"/>
                 </a:solidFill>
@@ -4854,10 +5118,40 @@
           </a:extLst>
         </p:spPr>
       </p:pic>
+      <p:pic>
+        <p:nvPicPr>
+          <p:cNvPr id="4" name="Picture 3"/>
+          <p:cNvPicPr>
+            <a:picLocks noChangeAspect="1"/>
+          </p:cNvPicPr>
+          <p:nvPr/>
+        </p:nvPicPr>
+        <p:blipFill>
+          <a:blip r:embed="rId3" cstate="print">
+            <a:extLst>
+              <a:ext uri="{28A0092B-C50C-407E-A947-70E740481C1C}">
+                <a14:useLocalDpi xmlns="" xmlns:a14="http://schemas.microsoft.com/office/drawing/2010/main" xmlns:lc="http://schemas.openxmlformats.org/drawingml/2006/lockedCanvas" val="0"/>
+              </a:ext>
+            </a:extLst>
+          </a:blip>
+          <a:stretch>
+            <a:fillRect/>
+          </a:stretch>
+        </p:blipFill>
+        <p:spPr>
+          <a:xfrm>
+            <a:off x="0" y="0"/>
+            <a:ext cx="1062463" cy="751114"/>
+          </a:xfrm>
+          <a:prstGeom prst="rect">
+            <a:avLst/>
+          </a:prstGeom>
+        </p:spPr>
+      </p:pic>
     </p:spTree>
     <p:extLst>
       <p:ext uri="{BB962C8B-B14F-4D97-AF65-F5344CB8AC3E}">
-        <p14:creationId xmlns:p14="http://schemas.microsoft.com/office/powerpoint/2010/main" val="1116195719"/>
+        <p14:creationId xmlns:p14="http://schemas.microsoft.com/office/powerpoint/2010/main" xmlns="" val="1116195719"/>
       </p:ext>
     </p:extLst>
   </p:cSld>
@@ -4940,10 +5234,40 @@
           </a:p>
         </p:txBody>
       </p:sp>
+      <p:pic>
+        <p:nvPicPr>
+          <p:cNvPr id="4" name="Picture 3"/>
+          <p:cNvPicPr>
+            <a:picLocks noChangeAspect="1"/>
+          </p:cNvPicPr>
+          <p:nvPr/>
+        </p:nvPicPr>
+        <p:blipFill>
+          <a:blip r:embed="rId2" cstate="print">
+            <a:extLst>
+              <a:ext uri="{28A0092B-C50C-407E-A947-70E740481C1C}">
+                <a14:useLocalDpi xmlns="" xmlns:a14="http://schemas.microsoft.com/office/drawing/2010/main" xmlns:lc="http://schemas.openxmlformats.org/drawingml/2006/lockedCanvas" val="0"/>
+              </a:ext>
+            </a:extLst>
+          </a:blip>
+          <a:stretch>
+            <a:fillRect/>
+          </a:stretch>
+        </p:blipFill>
+        <p:spPr>
+          <a:xfrm>
+            <a:off x="0" y="0"/>
+            <a:ext cx="1062463" cy="751114"/>
+          </a:xfrm>
+          <a:prstGeom prst="rect">
+            <a:avLst/>
+          </a:prstGeom>
+        </p:spPr>
+      </p:pic>
     </p:spTree>
     <p:extLst>
       <p:ext uri="{BB962C8B-B14F-4D97-AF65-F5344CB8AC3E}">
-        <p14:creationId xmlns:p14="http://schemas.microsoft.com/office/powerpoint/2010/main" val="2118076005"/>
+        <p14:creationId xmlns:p14="http://schemas.microsoft.com/office/powerpoint/2010/main" xmlns="" val="2118076005"/>
       </p:ext>
     </p:extLst>
   </p:cSld>
@@ -5127,10 +5451,40 @@
           </a:p>
         </p:txBody>
       </p:sp>
+      <p:pic>
+        <p:nvPicPr>
+          <p:cNvPr id="4" name="Picture 3"/>
+          <p:cNvPicPr>
+            <a:picLocks noChangeAspect="1"/>
+          </p:cNvPicPr>
+          <p:nvPr/>
+        </p:nvPicPr>
+        <p:blipFill>
+          <a:blip r:embed="rId2" cstate="print">
+            <a:extLst>
+              <a:ext uri="{28A0092B-C50C-407E-A947-70E740481C1C}">
+                <a14:useLocalDpi xmlns="" xmlns:a14="http://schemas.microsoft.com/office/drawing/2010/main" xmlns:lc="http://schemas.openxmlformats.org/drawingml/2006/lockedCanvas" val="0"/>
+              </a:ext>
+            </a:extLst>
+          </a:blip>
+          <a:stretch>
+            <a:fillRect/>
+          </a:stretch>
+        </p:blipFill>
+        <p:spPr>
+          <a:xfrm>
+            <a:off x="0" y="0"/>
+            <a:ext cx="1062463" cy="751114"/>
+          </a:xfrm>
+          <a:prstGeom prst="rect">
+            <a:avLst/>
+          </a:prstGeom>
+        </p:spPr>
+      </p:pic>
     </p:spTree>
     <p:extLst>
       <p:ext uri="{BB962C8B-B14F-4D97-AF65-F5344CB8AC3E}">
-        <p14:creationId xmlns:p14="http://schemas.microsoft.com/office/powerpoint/2010/main" val="1739567538"/>
+        <p14:creationId xmlns:p14="http://schemas.microsoft.com/office/powerpoint/2010/main" xmlns="" val="1739567538"/>
       </p:ext>
     </p:extLst>
   </p:cSld>
@@ -5216,7 +5570,7 @@
           <a:blip r:embed="rId2">
             <a:extLst>
               <a:ext uri="{28A0092B-C50C-407E-A947-70E740481C1C}">
-                <a14:useLocalDpi xmlns:a14="http://schemas.microsoft.com/office/drawing/2010/main" val="0"/>
+                <a14:useLocalDpi xmlns:a14="http://schemas.microsoft.com/office/drawing/2010/main" xmlns="" val="0"/>
               </a:ext>
             </a:extLst>
           </a:blip>
@@ -5236,7 +5590,7 @@
           <a:noFill/>
           <a:extLst>
             <a:ext uri="{909E8E84-426E-40DD-AFC4-6F175D3DCCD1}">
-              <a14:hiddenFill xmlns:a14="http://schemas.microsoft.com/office/drawing/2010/main">
+              <a14:hiddenFill xmlns:a14="http://schemas.microsoft.com/office/drawing/2010/main" xmlns="">
                 <a:solidFill>
                   <a:srgbClr val="FFFFFF"/>
                 </a:solidFill>
@@ -5245,10 +5599,40 @@
           </a:extLst>
         </p:spPr>
       </p:pic>
+      <p:pic>
+        <p:nvPicPr>
+          <p:cNvPr id="5" name="Picture 4"/>
+          <p:cNvPicPr>
+            <a:picLocks noChangeAspect="1"/>
+          </p:cNvPicPr>
+          <p:nvPr/>
+        </p:nvPicPr>
+        <p:blipFill>
+          <a:blip r:embed="rId3" cstate="print">
+            <a:extLst>
+              <a:ext uri="{28A0092B-C50C-407E-A947-70E740481C1C}">
+                <a14:useLocalDpi xmlns="" xmlns:a14="http://schemas.microsoft.com/office/drawing/2010/main" xmlns:lc="http://schemas.openxmlformats.org/drawingml/2006/lockedCanvas" val="0"/>
+              </a:ext>
+            </a:extLst>
+          </a:blip>
+          <a:stretch>
+            <a:fillRect/>
+          </a:stretch>
+        </p:blipFill>
+        <p:spPr>
+          <a:xfrm>
+            <a:off x="0" y="0"/>
+            <a:ext cx="1062463" cy="751114"/>
+          </a:xfrm>
+          <a:prstGeom prst="rect">
+            <a:avLst/>
+          </a:prstGeom>
+        </p:spPr>
+      </p:pic>
     </p:spTree>
     <p:extLst>
       <p:ext uri="{BB962C8B-B14F-4D97-AF65-F5344CB8AC3E}">
-        <p14:creationId xmlns:p14="http://schemas.microsoft.com/office/powerpoint/2010/main" val="2624523154"/>
+        <p14:creationId xmlns:p14="http://schemas.microsoft.com/office/powerpoint/2010/main" xmlns="" val="2624523154"/>
       </p:ext>
     </p:extLst>
   </p:cSld>
@@ -5343,10 +5727,40 @@
           </a:p>
         </p:txBody>
       </p:sp>
+      <p:pic>
+        <p:nvPicPr>
+          <p:cNvPr id="4" name="Picture 3"/>
+          <p:cNvPicPr>
+            <a:picLocks noChangeAspect="1"/>
+          </p:cNvPicPr>
+          <p:nvPr/>
+        </p:nvPicPr>
+        <p:blipFill>
+          <a:blip r:embed="rId2" cstate="print">
+            <a:extLst>
+              <a:ext uri="{28A0092B-C50C-407E-A947-70E740481C1C}">
+                <a14:useLocalDpi xmlns="" xmlns:a14="http://schemas.microsoft.com/office/drawing/2010/main" xmlns:lc="http://schemas.openxmlformats.org/drawingml/2006/lockedCanvas" val="0"/>
+              </a:ext>
+            </a:extLst>
+          </a:blip>
+          <a:stretch>
+            <a:fillRect/>
+          </a:stretch>
+        </p:blipFill>
+        <p:spPr>
+          <a:xfrm>
+            <a:off x="0" y="0"/>
+            <a:ext cx="1062463" cy="751114"/>
+          </a:xfrm>
+          <a:prstGeom prst="rect">
+            <a:avLst/>
+          </a:prstGeom>
+        </p:spPr>
+      </p:pic>
     </p:spTree>
     <p:extLst>
       <p:ext uri="{BB962C8B-B14F-4D97-AF65-F5344CB8AC3E}">
-        <p14:creationId xmlns:p14="http://schemas.microsoft.com/office/powerpoint/2010/main" val="3458037832"/>
+        <p14:creationId xmlns:p14="http://schemas.microsoft.com/office/powerpoint/2010/main" xmlns="" val="3458037832"/>
       </p:ext>
     </p:extLst>
   </p:cSld>
@@ -5486,10 +5900,40 @@
           </a:p>
         </p:txBody>
       </p:sp>
+      <p:pic>
+        <p:nvPicPr>
+          <p:cNvPr id="4" name="Picture 3"/>
+          <p:cNvPicPr>
+            <a:picLocks noChangeAspect="1"/>
+          </p:cNvPicPr>
+          <p:nvPr/>
+        </p:nvPicPr>
+        <p:blipFill>
+          <a:blip r:embed="rId2" cstate="print">
+            <a:extLst>
+              <a:ext uri="{28A0092B-C50C-407E-A947-70E740481C1C}">
+                <a14:useLocalDpi xmlns="" xmlns:a14="http://schemas.microsoft.com/office/drawing/2010/main" xmlns:lc="http://schemas.openxmlformats.org/drawingml/2006/lockedCanvas" val="0"/>
+              </a:ext>
+            </a:extLst>
+          </a:blip>
+          <a:stretch>
+            <a:fillRect/>
+          </a:stretch>
+        </p:blipFill>
+        <p:spPr>
+          <a:xfrm>
+            <a:off x="0" y="0"/>
+            <a:ext cx="1062463" cy="751114"/>
+          </a:xfrm>
+          <a:prstGeom prst="rect">
+            <a:avLst/>
+          </a:prstGeom>
+        </p:spPr>
+      </p:pic>
     </p:spTree>
     <p:extLst>
       <p:ext uri="{BB962C8B-B14F-4D97-AF65-F5344CB8AC3E}">
-        <p14:creationId xmlns:p14="http://schemas.microsoft.com/office/powerpoint/2010/main" val="2009690558"/>
+        <p14:creationId xmlns:p14="http://schemas.microsoft.com/office/powerpoint/2010/main" xmlns="" val="2009690558"/>
       </p:ext>
     </p:extLst>
   </p:cSld>
@@ -5615,10 +6059,40 @@
           </a:p>
         </p:txBody>
       </p:sp>
+      <p:pic>
+        <p:nvPicPr>
+          <p:cNvPr id="4" name="Picture 3"/>
+          <p:cNvPicPr>
+            <a:picLocks noChangeAspect="1"/>
+          </p:cNvPicPr>
+          <p:nvPr/>
+        </p:nvPicPr>
+        <p:blipFill>
+          <a:blip r:embed="rId2" cstate="print">
+            <a:extLst>
+              <a:ext uri="{28A0092B-C50C-407E-A947-70E740481C1C}">
+                <a14:useLocalDpi xmlns="" xmlns:a14="http://schemas.microsoft.com/office/drawing/2010/main" xmlns:lc="http://schemas.openxmlformats.org/drawingml/2006/lockedCanvas" val="0"/>
+              </a:ext>
+            </a:extLst>
+          </a:blip>
+          <a:stretch>
+            <a:fillRect/>
+          </a:stretch>
+        </p:blipFill>
+        <p:spPr>
+          <a:xfrm>
+            <a:off x="0" y="0"/>
+            <a:ext cx="1062463" cy="751114"/>
+          </a:xfrm>
+          <a:prstGeom prst="rect">
+            <a:avLst/>
+          </a:prstGeom>
+        </p:spPr>
+      </p:pic>
     </p:spTree>
     <p:extLst>
       <p:ext uri="{BB962C8B-B14F-4D97-AF65-F5344CB8AC3E}">
-        <p14:creationId xmlns:p14="http://schemas.microsoft.com/office/powerpoint/2010/main" val="412964515"/>
+        <p14:creationId xmlns:p14="http://schemas.microsoft.com/office/powerpoint/2010/main" xmlns="" val="412964515"/>
       </p:ext>
     </p:extLst>
   </p:cSld>
@@ -5682,7 +6156,7 @@
           <a:blip r:embed="rId2">
             <a:extLst>
               <a:ext uri="{28A0092B-C50C-407E-A947-70E740481C1C}">
-                <a14:useLocalDpi xmlns:a14="http://schemas.microsoft.com/office/drawing/2010/main" val="0"/>
+                <a14:useLocalDpi xmlns:a14="http://schemas.microsoft.com/office/drawing/2010/main" xmlns="" val="0"/>
               </a:ext>
             </a:extLst>
           </a:blip>
@@ -5702,7 +6176,7 @@
           <a:noFill/>
           <a:extLst>
             <a:ext uri="{909E8E84-426E-40DD-AFC4-6F175D3DCCD1}">
-              <a14:hiddenFill xmlns:a14="http://schemas.microsoft.com/office/drawing/2010/main">
+              <a14:hiddenFill xmlns:a14="http://schemas.microsoft.com/office/drawing/2010/main" xmlns="">
                 <a:solidFill>
                   <a:srgbClr val="FFFFFF"/>
                 </a:solidFill>
@@ -5735,10 +6209,40 @@
           </a:prstGeom>
         </p:spPr>
       </p:pic>
+      <p:pic>
+        <p:nvPicPr>
+          <p:cNvPr id="5" name="Picture 4"/>
+          <p:cNvPicPr>
+            <a:picLocks noChangeAspect="1"/>
+          </p:cNvPicPr>
+          <p:nvPr/>
+        </p:nvPicPr>
+        <p:blipFill>
+          <a:blip r:embed="rId4" cstate="print">
+            <a:extLst>
+              <a:ext uri="{28A0092B-C50C-407E-A947-70E740481C1C}">
+                <a14:useLocalDpi xmlns="" xmlns:a14="http://schemas.microsoft.com/office/drawing/2010/main" xmlns:lc="http://schemas.openxmlformats.org/drawingml/2006/lockedCanvas" val="0"/>
+              </a:ext>
+            </a:extLst>
+          </a:blip>
+          <a:stretch>
+            <a:fillRect/>
+          </a:stretch>
+        </p:blipFill>
+        <p:spPr>
+          <a:xfrm>
+            <a:off x="0" y="0"/>
+            <a:ext cx="1062463" cy="751114"/>
+          </a:xfrm>
+          <a:prstGeom prst="rect">
+            <a:avLst/>
+          </a:prstGeom>
+        </p:spPr>
+      </p:pic>
     </p:spTree>
     <p:extLst>
       <p:ext uri="{BB962C8B-B14F-4D97-AF65-F5344CB8AC3E}">
-        <p14:creationId xmlns:p14="http://schemas.microsoft.com/office/powerpoint/2010/main" val="2330375792"/>
+        <p14:creationId xmlns:p14="http://schemas.microsoft.com/office/powerpoint/2010/main" xmlns="" val="2330375792"/>
       </p:ext>
     </p:extLst>
   </p:cSld>
@@ -5836,10 +6340,40 @@
           </a:p>
         </p:txBody>
       </p:sp>
+      <p:pic>
+        <p:nvPicPr>
+          <p:cNvPr id="4" name="Picture 3"/>
+          <p:cNvPicPr>
+            <a:picLocks noChangeAspect="1"/>
+          </p:cNvPicPr>
+          <p:nvPr/>
+        </p:nvPicPr>
+        <p:blipFill>
+          <a:blip r:embed="rId2" cstate="print">
+            <a:extLst>
+              <a:ext uri="{28A0092B-C50C-407E-A947-70E740481C1C}">
+                <a14:useLocalDpi xmlns="" xmlns:a14="http://schemas.microsoft.com/office/drawing/2010/main" xmlns:lc="http://schemas.openxmlformats.org/drawingml/2006/lockedCanvas" val="0"/>
+              </a:ext>
+            </a:extLst>
+          </a:blip>
+          <a:stretch>
+            <a:fillRect/>
+          </a:stretch>
+        </p:blipFill>
+        <p:spPr>
+          <a:xfrm>
+            <a:off x="0" y="0"/>
+            <a:ext cx="1062463" cy="751114"/>
+          </a:xfrm>
+          <a:prstGeom prst="rect">
+            <a:avLst/>
+          </a:prstGeom>
+        </p:spPr>
+      </p:pic>
     </p:spTree>
     <p:extLst>
       <p:ext uri="{BB962C8B-B14F-4D97-AF65-F5344CB8AC3E}">
-        <p14:creationId xmlns:p14="http://schemas.microsoft.com/office/powerpoint/2010/main" val="331152376"/>
+        <p14:creationId xmlns:p14="http://schemas.microsoft.com/office/powerpoint/2010/main" xmlns="" val="331152376"/>
       </p:ext>
     </p:extLst>
   </p:cSld>
@@ -5915,10 +6449,40 @@
           </a:prstGeom>
         </p:spPr>
       </p:pic>
+      <p:pic>
+        <p:nvPicPr>
+          <p:cNvPr id="5" name="Picture 4"/>
+          <p:cNvPicPr>
+            <a:picLocks noChangeAspect="1"/>
+          </p:cNvPicPr>
+          <p:nvPr/>
+        </p:nvPicPr>
+        <p:blipFill>
+          <a:blip r:embed="rId3" cstate="print">
+            <a:extLst>
+              <a:ext uri="{28A0092B-C50C-407E-A947-70E740481C1C}">
+                <a14:useLocalDpi xmlns="" xmlns:a14="http://schemas.microsoft.com/office/drawing/2010/main" xmlns:lc="http://schemas.openxmlformats.org/drawingml/2006/lockedCanvas" val="0"/>
+              </a:ext>
+            </a:extLst>
+          </a:blip>
+          <a:stretch>
+            <a:fillRect/>
+          </a:stretch>
+        </p:blipFill>
+        <p:spPr>
+          <a:xfrm>
+            <a:off x="0" y="0"/>
+            <a:ext cx="1062463" cy="751114"/>
+          </a:xfrm>
+          <a:prstGeom prst="rect">
+            <a:avLst/>
+          </a:prstGeom>
+        </p:spPr>
+      </p:pic>
     </p:spTree>
     <p:extLst>
       <p:ext uri="{BB962C8B-B14F-4D97-AF65-F5344CB8AC3E}">
-        <p14:creationId xmlns:p14="http://schemas.microsoft.com/office/powerpoint/2010/main" val="343596393"/>
+        <p14:creationId xmlns:p14="http://schemas.microsoft.com/office/powerpoint/2010/main" xmlns="" val="343596393"/>
       </p:ext>
     </p:extLst>
   </p:cSld>
@@ -5994,10 +6558,40 @@
           </a:prstGeom>
         </p:spPr>
       </p:pic>
+      <p:pic>
+        <p:nvPicPr>
+          <p:cNvPr id="5" name="Picture 4"/>
+          <p:cNvPicPr>
+            <a:picLocks noChangeAspect="1"/>
+          </p:cNvPicPr>
+          <p:nvPr/>
+        </p:nvPicPr>
+        <p:blipFill>
+          <a:blip r:embed="rId3" cstate="print">
+            <a:extLst>
+              <a:ext uri="{28A0092B-C50C-407E-A947-70E740481C1C}">
+                <a14:useLocalDpi xmlns="" xmlns:a14="http://schemas.microsoft.com/office/drawing/2010/main" xmlns:lc="http://schemas.openxmlformats.org/drawingml/2006/lockedCanvas" val="0"/>
+              </a:ext>
+            </a:extLst>
+          </a:blip>
+          <a:stretch>
+            <a:fillRect/>
+          </a:stretch>
+        </p:blipFill>
+        <p:spPr>
+          <a:xfrm>
+            <a:off x="0" y="0"/>
+            <a:ext cx="1062463" cy="751114"/>
+          </a:xfrm>
+          <a:prstGeom prst="rect">
+            <a:avLst/>
+          </a:prstGeom>
+        </p:spPr>
+      </p:pic>
     </p:spTree>
     <p:extLst>
       <p:ext uri="{BB962C8B-B14F-4D97-AF65-F5344CB8AC3E}">
-        <p14:creationId xmlns:p14="http://schemas.microsoft.com/office/powerpoint/2010/main" val="1300765347"/>
+        <p14:creationId xmlns:p14="http://schemas.microsoft.com/office/powerpoint/2010/main" xmlns="" val="1300765347"/>
       </p:ext>
     </p:extLst>
   </p:cSld>
@@ -6080,10 +6674,40 @@
           </a:prstGeom>
         </p:spPr>
       </p:pic>
+      <p:pic>
+        <p:nvPicPr>
+          <p:cNvPr id="5" name="Picture 4"/>
+          <p:cNvPicPr>
+            <a:picLocks noChangeAspect="1"/>
+          </p:cNvPicPr>
+          <p:nvPr/>
+        </p:nvPicPr>
+        <p:blipFill>
+          <a:blip r:embed="rId3" cstate="print">
+            <a:extLst>
+              <a:ext uri="{28A0092B-C50C-407E-A947-70E740481C1C}">
+                <a14:useLocalDpi xmlns="" xmlns:a14="http://schemas.microsoft.com/office/drawing/2010/main" xmlns:lc="http://schemas.openxmlformats.org/drawingml/2006/lockedCanvas" val="0"/>
+              </a:ext>
+            </a:extLst>
+          </a:blip>
+          <a:stretch>
+            <a:fillRect/>
+          </a:stretch>
+        </p:blipFill>
+        <p:spPr>
+          <a:xfrm>
+            <a:off x="0" y="0"/>
+            <a:ext cx="1062463" cy="751114"/>
+          </a:xfrm>
+          <a:prstGeom prst="rect">
+            <a:avLst/>
+          </a:prstGeom>
+        </p:spPr>
+      </p:pic>
     </p:spTree>
     <p:extLst>
       <p:ext uri="{BB962C8B-B14F-4D97-AF65-F5344CB8AC3E}">
-        <p14:creationId xmlns:p14="http://schemas.microsoft.com/office/powerpoint/2010/main" val="44892711"/>
+        <p14:creationId xmlns:p14="http://schemas.microsoft.com/office/powerpoint/2010/main" xmlns="" val="44892711"/>
       </p:ext>
     </p:extLst>
   </p:cSld>
@@ -6159,10 +6783,40 @@
           </a:prstGeom>
         </p:spPr>
       </p:pic>
+      <p:pic>
+        <p:nvPicPr>
+          <p:cNvPr id="5" name="Picture 4"/>
+          <p:cNvPicPr>
+            <a:picLocks noChangeAspect="1"/>
+          </p:cNvPicPr>
+          <p:nvPr/>
+        </p:nvPicPr>
+        <p:blipFill>
+          <a:blip r:embed="rId3" cstate="print">
+            <a:extLst>
+              <a:ext uri="{28A0092B-C50C-407E-A947-70E740481C1C}">
+                <a14:useLocalDpi xmlns="" xmlns:a14="http://schemas.microsoft.com/office/drawing/2010/main" xmlns:lc="http://schemas.openxmlformats.org/drawingml/2006/lockedCanvas" val="0"/>
+              </a:ext>
+            </a:extLst>
+          </a:blip>
+          <a:stretch>
+            <a:fillRect/>
+          </a:stretch>
+        </p:blipFill>
+        <p:spPr>
+          <a:xfrm>
+            <a:off x="0" y="0"/>
+            <a:ext cx="1062463" cy="751114"/>
+          </a:xfrm>
+          <a:prstGeom prst="rect">
+            <a:avLst/>
+          </a:prstGeom>
+        </p:spPr>
+      </p:pic>
     </p:spTree>
     <p:extLst>
       <p:ext uri="{BB962C8B-B14F-4D97-AF65-F5344CB8AC3E}">
-        <p14:creationId xmlns:p14="http://schemas.microsoft.com/office/powerpoint/2010/main" val="2472105991"/>
+        <p14:creationId xmlns:p14="http://schemas.microsoft.com/office/powerpoint/2010/main" xmlns="" val="2472105991"/>
       </p:ext>
     </p:extLst>
   </p:cSld>
@@ -6226,7 +6880,7 @@
           <a:blip r:embed="rId2">
             <a:extLst>
               <a:ext uri="{28A0092B-C50C-407E-A947-70E740481C1C}">
-                <a14:useLocalDpi xmlns:a14="http://schemas.microsoft.com/office/drawing/2010/main" val="0"/>
+                <a14:useLocalDpi xmlns:a14="http://schemas.microsoft.com/office/drawing/2010/main" xmlns="" val="0"/>
               </a:ext>
             </a:extLst>
           </a:blip>
@@ -6250,14 +6904,14 @@
           <a:effectLst/>
           <a:extLst>
             <a:ext uri="{909E8E84-426E-40DD-AFC4-6F175D3DCCD1}">
-              <a14:hiddenFill xmlns:a14="http://schemas.microsoft.com/office/drawing/2010/main">
+              <a14:hiddenFill xmlns:a14="http://schemas.microsoft.com/office/drawing/2010/main" xmlns="">
                 <a:solidFill>
                   <a:schemeClr val="accent1"/>
                 </a:solidFill>
               </a14:hiddenFill>
             </a:ext>
             <a:ext uri="{91240B29-F687-4F45-9708-019B960494DF}">
-              <a14:hiddenLine xmlns:a14="http://schemas.microsoft.com/office/drawing/2010/main" w="9525">
+              <a14:hiddenLine xmlns:a14="http://schemas.microsoft.com/office/drawing/2010/main" xmlns="" w="9525">
                 <a:solidFill>
                   <a:schemeClr val="tx1"/>
                 </a:solidFill>
@@ -6267,7 +6921,7 @@
               </a14:hiddenLine>
             </a:ext>
             <a:ext uri="{AF507438-7753-43E0-B8FC-AC1667EBCBE1}">
-              <a14:hiddenEffects xmlns:a14="http://schemas.microsoft.com/office/drawing/2010/main">
+              <a14:hiddenEffects xmlns:a14="http://schemas.microsoft.com/office/drawing/2010/main" xmlns="">
                 <a:effectLst>
                   <a:outerShdw dist="35921" dir="2700000" algn="ctr" rotWithShape="0">
                     <a:schemeClr val="bg2"/>
@@ -6278,10 +6932,40 @@
           </a:extLst>
         </p:spPr>
       </p:pic>
+      <p:pic>
+        <p:nvPicPr>
+          <p:cNvPr id="5" name="Picture 4"/>
+          <p:cNvPicPr>
+            <a:picLocks noChangeAspect="1"/>
+          </p:cNvPicPr>
+          <p:nvPr/>
+        </p:nvPicPr>
+        <p:blipFill>
+          <a:blip r:embed="rId3" cstate="print">
+            <a:extLst>
+              <a:ext uri="{28A0092B-C50C-407E-A947-70E740481C1C}">
+                <a14:useLocalDpi xmlns="" xmlns:a14="http://schemas.microsoft.com/office/drawing/2010/main" xmlns:lc="http://schemas.openxmlformats.org/drawingml/2006/lockedCanvas" val="0"/>
+              </a:ext>
+            </a:extLst>
+          </a:blip>
+          <a:stretch>
+            <a:fillRect/>
+          </a:stretch>
+        </p:blipFill>
+        <p:spPr>
+          <a:xfrm>
+            <a:off x="0" y="0"/>
+            <a:ext cx="1062463" cy="751114"/>
+          </a:xfrm>
+          <a:prstGeom prst="rect">
+            <a:avLst/>
+          </a:prstGeom>
+        </p:spPr>
+      </p:pic>
     </p:spTree>
     <p:extLst>
       <p:ext uri="{BB962C8B-B14F-4D97-AF65-F5344CB8AC3E}">
-        <p14:creationId xmlns:p14="http://schemas.microsoft.com/office/powerpoint/2010/main" val="3311410895"/>
+        <p14:creationId xmlns:p14="http://schemas.microsoft.com/office/powerpoint/2010/main" xmlns="" val="3311410895"/>
       </p:ext>
     </p:extLst>
   </p:cSld>
@@ -6390,10 +7074,40 @@
           </a:p>
         </p:txBody>
       </p:sp>
+      <p:pic>
+        <p:nvPicPr>
+          <p:cNvPr id="4" name="Picture 3"/>
+          <p:cNvPicPr>
+            <a:picLocks noChangeAspect="1"/>
+          </p:cNvPicPr>
+          <p:nvPr/>
+        </p:nvPicPr>
+        <p:blipFill>
+          <a:blip r:embed="rId2" cstate="print">
+            <a:extLst>
+              <a:ext uri="{28A0092B-C50C-407E-A947-70E740481C1C}">
+                <a14:useLocalDpi xmlns="" xmlns:a14="http://schemas.microsoft.com/office/drawing/2010/main" xmlns:lc="http://schemas.openxmlformats.org/drawingml/2006/lockedCanvas" val="0"/>
+              </a:ext>
+            </a:extLst>
+          </a:blip>
+          <a:stretch>
+            <a:fillRect/>
+          </a:stretch>
+        </p:blipFill>
+        <p:spPr>
+          <a:xfrm>
+            <a:off x="0" y="0"/>
+            <a:ext cx="1062463" cy="751114"/>
+          </a:xfrm>
+          <a:prstGeom prst="rect">
+            <a:avLst/>
+          </a:prstGeom>
+        </p:spPr>
+      </p:pic>
     </p:spTree>
     <p:extLst>
       <p:ext uri="{BB962C8B-B14F-4D97-AF65-F5344CB8AC3E}">
-        <p14:creationId xmlns:p14="http://schemas.microsoft.com/office/powerpoint/2010/main" val="335374961"/>
+        <p14:creationId xmlns:p14="http://schemas.microsoft.com/office/powerpoint/2010/main" xmlns="" val="335374961"/>
       </p:ext>
     </p:extLst>
   </p:cSld>
@@ -6680,10 +7394,40 @@
           </a:p>
         </p:txBody>
       </p:sp>
+      <p:pic>
+        <p:nvPicPr>
+          <p:cNvPr id="6" name="Picture 5"/>
+          <p:cNvPicPr>
+            <a:picLocks noChangeAspect="1"/>
+          </p:cNvPicPr>
+          <p:nvPr/>
+        </p:nvPicPr>
+        <p:blipFill>
+          <a:blip r:embed="rId3" cstate="print">
+            <a:extLst>
+              <a:ext uri="{28A0092B-C50C-407E-A947-70E740481C1C}">
+                <a14:useLocalDpi xmlns="" xmlns:a14="http://schemas.microsoft.com/office/drawing/2010/main" xmlns:lc="http://schemas.openxmlformats.org/drawingml/2006/lockedCanvas" val="0"/>
+              </a:ext>
+            </a:extLst>
+          </a:blip>
+          <a:stretch>
+            <a:fillRect/>
+          </a:stretch>
+        </p:blipFill>
+        <p:spPr>
+          <a:xfrm>
+            <a:off x="0" y="0"/>
+            <a:ext cx="1062463" cy="751114"/>
+          </a:xfrm>
+          <a:prstGeom prst="rect">
+            <a:avLst/>
+          </a:prstGeom>
+        </p:spPr>
+      </p:pic>
     </p:spTree>
     <p:extLst>
       <p:ext uri="{BB962C8B-B14F-4D97-AF65-F5344CB8AC3E}">
-        <p14:creationId xmlns:p14="http://schemas.microsoft.com/office/powerpoint/2010/main" val="1773291015"/>
+        <p14:creationId xmlns:p14="http://schemas.microsoft.com/office/powerpoint/2010/main" xmlns="" val="1773291015"/>
       </p:ext>
     </p:extLst>
   </p:cSld>
@@ -6747,7 +7491,7 @@
           <a:blip r:embed="rId2">
             <a:extLst>
               <a:ext uri="{28A0092B-C50C-407E-A947-70E740481C1C}">
-                <a14:useLocalDpi xmlns:a14="http://schemas.microsoft.com/office/drawing/2010/main" val="0"/>
+                <a14:useLocalDpi xmlns:a14="http://schemas.microsoft.com/office/drawing/2010/main" xmlns="" val="0"/>
               </a:ext>
             </a:extLst>
           </a:blip>
@@ -6767,7 +7511,7 @@
           <a:noFill/>
           <a:extLst>
             <a:ext uri="{909E8E84-426E-40DD-AFC4-6F175D3DCCD1}">
-              <a14:hiddenFill xmlns:a14="http://schemas.microsoft.com/office/drawing/2010/main">
+              <a14:hiddenFill xmlns:a14="http://schemas.microsoft.com/office/drawing/2010/main" xmlns="">
                 <a:solidFill>
                   <a:srgbClr val="FFFFFF"/>
                 </a:solidFill>
@@ -6906,10 +7650,40 @@
           </a:p>
         </p:txBody>
       </p:sp>
+      <p:pic>
+        <p:nvPicPr>
+          <p:cNvPr id="5" name="Picture 4"/>
+          <p:cNvPicPr>
+            <a:picLocks noChangeAspect="1"/>
+          </p:cNvPicPr>
+          <p:nvPr/>
+        </p:nvPicPr>
+        <p:blipFill>
+          <a:blip r:embed="rId3" cstate="print">
+            <a:extLst>
+              <a:ext uri="{28A0092B-C50C-407E-A947-70E740481C1C}">
+                <a14:useLocalDpi xmlns="" xmlns:a14="http://schemas.microsoft.com/office/drawing/2010/main" xmlns:lc="http://schemas.openxmlformats.org/drawingml/2006/lockedCanvas" val="0"/>
+              </a:ext>
+            </a:extLst>
+          </a:blip>
+          <a:stretch>
+            <a:fillRect/>
+          </a:stretch>
+        </p:blipFill>
+        <p:spPr>
+          <a:xfrm>
+            <a:off x="0" y="0"/>
+            <a:ext cx="1062463" cy="751114"/>
+          </a:xfrm>
+          <a:prstGeom prst="rect">
+            <a:avLst/>
+          </a:prstGeom>
+        </p:spPr>
+      </p:pic>
     </p:spTree>
     <p:extLst>
       <p:ext uri="{BB962C8B-B14F-4D97-AF65-F5344CB8AC3E}">
-        <p14:creationId xmlns:p14="http://schemas.microsoft.com/office/powerpoint/2010/main" val="3983780378"/>
+        <p14:creationId xmlns:p14="http://schemas.microsoft.com/office/powerpoint/2010/main" xmlns="" val="3983780378"/>
       </p:ext>
     </p:extLst>
   </p:cSld>
@@ -7014,10 +7788,40 @@
           </a:p>
         </p:txBody>
       </p:sp>
+      <p:pic>
+        <p:nvPicPr>
+          <p:cNvPr id="4" name="Picture 3"/>
+          <p:cNvPicPr>
+            <a:picLocks noChangeAspect="1"/>
+          </p:cNvPicPr>
+          <p:nvPr/>
+        </p:nvPicPr>
+        <p:blipFill>
+          <a:blip r:embed="rId2" cstate="print">
+            <a:extLst>
+              <a:ext uri="{28A0092B-C50C-407E-A947-70E740481C1C}">
+                <a14:useLocalDpi xmlns="" xmlns:a14="http://schemas.microsoft.com/office/drawing/2010/main" xmlns:lc="http://schemas.openxmlformats.org/drawingml/2006/lockedCanvas" val="0"/>
+              </a:ext>
+            </a:extLst>
+          </a:blip>
+          <a:stretch>
+            <a:fillRect/>
+          </a:stretch>
+        </p:blipFill>
+        <p:spPr>
+          <a:xfrm>
+            <a:off x="0" y="0"/>
+            <a:ext cx="1062463" cy="751114"/>
+          </a:xfrm>
+          <a:prstGeom prst="rect">
+            <a:avLst/>
+          </a:prstGeom>
+        </p:spPr>
+      </p:pic>
     </p:spTree>
     <p:extLst>
       <p:ext uri="{BB962C8B-B14F-4D97-AF65-F5344CB8AC3E}">
-        <p14:creationId xmlns:p14="http://schemas.microsoft.com/office/powerpoint/2010/main" val="2283584739"/>
+        <p14:creationId xmlns:p14="http://schemas.microsoft.com/office/powerpoint/2010/main" xmlns="" val="2283584739"/>
       </p:ext>
     </p:extLst>
   </p:cSld>
@@ -7081,7 +7885,7 @@
           <a:blip r:embed="rId2">
             <a:extLst>
               <a:ext uri="{28A0092B-C50C-407E-A947-70E740481C1C}">
-                <a14:useLocalDpi xmlns:a14="http://schemas.microsoft.com/office/drawing/2010/main" val="0"/>
+                <a14:useLocalDpi xmlns:a14="http://schemas.microsoft.com/office/drawing/2010/main" xmlns="" val="0"/>
               </a:ext>
             </a:extLst>
           </a:blip>
@@ -7105,14 +7909,14 @@
           <a:effectLst/>
           <a:extLst>
             <a:ext uri="{909E8E84-426E-40DD-AFC4-6F175D3DCCD1}">
-              <a14:hiddenFill xmlns:a14="http://schemas.microsoft.com/office/drawing/2010/main">
+              <a14:hiddenFill xmlns:a14="http://schemas.microsoft.com/office/drawing/2010/main" xmlns="">
                 <a:solidFill>
                   <a:schemeClr val="accent1"/>
                 </a:solidFill>
               </a14:hiddenFill>
             </a:ext>
             <a:ext uri="{91240B29-F687-4F45-9708-019B960494DF}">
-              <a14:hiddenLine xmlns:a14="http://schemas.microsoft.com/office/drawing/2010/main" w="9525">
+              <a14:hiddenLine xmlns:a14="http://schemas.microsoft.com/office/drawing/2010/main" xmlns="" w="9525">
                 <a:solidFill>
                   <a:schemeClr val="tx1"/>
                 </a:solidFill>
@@ -7122,7 +7926,7 @@
               </a14:hiddenLine>
             </a:ext>
             <a:ext uri="{AF507438-7753-43E0-B8FC-AC1667EBCBE1}">
-              <a14:hiddenEffects xmlns:a14="http://schemas.microsoft.com/office/drawing/2010/main">
+              <a14:hiddenEffects xmlns:a14="http://schemas.microsoft.com/office/drawing/2010/main" xmlns="">
                 <a:effectLst>
                   <a:outerShdw dist="35921" dir="2700000" algn="ctr" rotWithShape="0">
                     <a:schemeClr val="bg2"/>
@@ -7133,10 +7937,40 @@
           </a:extLst>
         </p:spPr>
       </p:pic>
+      <p:pic>
+        <p:nvPicPr>
+          <p:cNvPr id="5" name="Picture 4"/>
+          <p:cNvPicPr>
+            <a:picLocks noChangeAspect="1"/>
+          </p:cNvPicPr>
+          <p:nvPr/>
+        </p:nvPicPr>
+        <p:blipFill>
+          <a:blip r:embed="rId3" cstate="print">
+            <a:extLst>
+              <a:ext uri="{28A0092B-C50C-407E-A947-70E740481C1C}">
+                <a14:useLocalDpi xmlns="" xmlns:a14="http://schemas.microsoft.com/office/drawing/2010/main" xmlns:lc="http://schemas.openxmlformats.org/drawingml/2006/lockedCanvas" val="0"/>
+              </a:ext>
+            </a:extLst>
+          </a:blip>
+          <a:stretch>
+            <a:fillRect/>
+          </a:stretch>
+        </p:blipFill>
+        <p:spPr>
+          <a:xfrm>
+            <a:off x="0" y="0"/>
+            <a:ext cx="1062463" cy="751114"/>
+          </a:xfrm>
+          <a:prstGeom prst="rect">
+            <a:avLst/>
+          </a:prstGeom>
+        </p:spPr>
+      </p:pic>
     </p:spTree>
     <p:extLst>
       <p:ext uri="{BB962C8B-B14F-4D97-AF65-F5344CB8AC3E}">
-        <p14:creationId xmlns:p14="http://schemas.microsoft.com/office/powerpoint/2010/main" val="1884953248"/>
+        <p14:creationId xmlns:p14="http://schemas.microsoft.com/office/powerpoint/2010/main" xmlns="" val="1884953248"/>
       </p:ext>
     </p:extLst>
   </p:cSld>
@@ -7200,7 +8034,7 @@
           <a:blip r:embed="rId2">
             <a:extLst>
               <a:ext uri="{28A0092B-C50C-407E-A947-70E740481C1C}">
-                <a14:useLocalDpi xmlns:a14="http://schemas.microsoft.com/office/drawing/2010/main" val="0"/>
+                <a14:useLocalDpi xmlns:a14="http://schemas.microsoft.com/office/drawing/2010/main" xmlns="" val="0"/>
               </a:ext>
             </a:extLst>
           </a:blip>
@@ -7224,14 +8058,14 @@
           <a:effectLst/>
           <a:extLst>
             <a:ext uri="{909E8E84-426E-40DD-AFC4-6F175D3DCCD1}">
-              <a14:hiddenFill xmlns:a14="http://schemas.microsoft.com/office/drawing/2010/main">
+              <a14:hiddenFill xmlns:a14="http://schemas.microsoft.com/office/drawing/2010/main" xmlns="">
                 <a:solidFill>
                   <a:schemeClr val="accent1"/>
                 </a:solidFill>
               </a14:hiddenFill>
             </a:ext>
             <a:ext uri="{91240B29-F687-4F45-9708-019B960494DF}">
-              <a14:hiddenLine xmlns:a14="http://schemas.microsoft.com/office/drawing/2010/main" w="9525">
+              <a14:hiddenLine xmlns:a14="http://schemas.microsoft.com/office/drawing/2010/main" xmlns="" w="9525">
                 <a:solidFill>
                   <a:schemeClr val="tx1"/>
                 </a:solidFill>
@@ -7241,7 +8075,7 @@
               </a14:hiddenLine>
             </a:ext>
             <a:ext uri="{AF507438-7753-43E0-B8FC-AC1667EBCBE1}">
-              <a14:hiddenEffects xmlns:a14="http://schemas.microsoft.com/office/drawing/2010/main">
+              <a14:hiddenEffects xmlns:a14="http://schemas.microsoft.com/office/drawing/2010/main" xmlns="">
                 <a:effectLst>
                   <a:outerShdw dist="35921" dir="2700000" algn="ctr" rotWithShape="0">
                     <a:schemeClr val="bg2"/>
@@ -7252,10 +8086,40 @@
           </a:extLst>
         </p:spPr>
       </p:pic>
+      <p:pic>
+        <p:nvPicPr>
+          <p:cNvPr id="5" name="Picture 4"/>
+          <p:cNvPicPr>
+            <a:picLocks noChangeAspect="1"/>
+          </p:cNvPicPr>
+          <p:nvPr/>
+        </p:nvPicPr>
+        <p:blipFill>
+          <a:blip r:embed="rId3" cstate="print">
+            <a:extLst>
+              <a:ext uri="{28A0092B-C50C-407E-A947-70E740481C1C}">
+                <a14:useLocalDpi xmlns="" xmlns:a14="http://schemas.microsoft.com/office/drawing/2010/main" xmlns:lc="http://schemas.openxmlformats.org/drawingml/2006/lockedCanvas" val="0"/>
+              </a:ext>
+            </a:extLst>
+          </a:blip>
+          <a:stretch>
+            <a:fillRect/>
+          </a:stretch>
+        </p:blipFill>
+        <p:spPr>
+          <a:xfrm>
+            <a:off x="0" y="0"/>
+            <a:ext cx="1062463" cy="751114"/>
+          </a:xfrm>
+          <a:prstGeom prst="rect">
+            <a:avLst/>
+          </a:prstGeom>
+        </p:spPr>
+      </p:pic>
     </p:spTree>
     <p:extLst>
       <p:ext uri="{BB962C8B-B14F-4D97-AF65-F5344CB8AC3E}">
-        <p14:creationId xmlns:p14="http://schemas.microsoft.com/office/powerpoint/2010/main" val="198933891"/>
+        <p14:creationId xmlns:p14="http://schemas.microsoft.com/office/powerpoint/2010/main" xmlns="" val="198933891"/>
       </p:ext>
     </p:extLst>
   </p:cSld>
@@ -7385,10 +8249,40 @@
           </a:p>
         </p:txBody>
       </p:sp>
+      <p:pic>
+        <p:nvPicPr>
+          <p:cNvPr id="4" name="Picture 3"/>
+          <p:cNvPicPr>
+            <a:picLocks noChangeAspect="1"/>
+          </p:cNvPicPr>
+          <p:nvPr/>
+        </p:nvPicPr>
+        <p:blipFill>
+          <a:blip r:embed="rId2" cstate="print">
+            <a:extLst>
+              <a:ext uri="{28A0092B-C50C-407E-A947-70E740481C1C}">
+                <a14:useLocalDpi xmlns="" xmlns:a14="http://schemas.microsoft.com/office/drawing/2010/main" xmlns:lc="http://schemas.openxmlformats.org/drawingml/2006/lockedCanvas" val="0"/>
+              </a:ext>
+            </a:extLst>
+          </a:blip>
+          <a:stretch>
+            <a:fillRect/>
+          </a:stretch>
+        </p:blipFill>
+        <p:spPr>
+          <a:xfrm>
+            <a:off x="0" y="0"/>
+            <a:ext cx="1062463" cy="751114"/>
+          </a:xfrm>
+          <a:prstGeom prst="rect">
+            <a:avLst/>
+          </a:prstGeom>
+        </p:spPr>
+      </p:pic>
     </p:spTree>
     <p:extLst>
       <p:ext uri="{BB962C8B-B14F-4D97-AF65-F5344CB8AC3E}">
-        <p14:creationId xmlns:p14="http://schemas.microsoft.com/office/powerpoint/2010/main" val="1724986054"/>
+        <p14:creationId xmlns:p14="http://schemas.microsoft.com/office/powerpoint/2010/main" xmlns="" val="1724986054"/>
       </p:ext>
     </p:extLst>
   </p:cSld>
@@ -7452,7 +8346,7 @@
           <a:blip r:embed="rId2">
             <a:extLst>
               <a:ext uri="{28A0092B-C50C-407E-A947-70E740481C1C}">
-                <a14:useLocalDpi xmlns:a14="http://schemas.microsoft.com/office/drawing/2010/main" val="0"/>
+                <a14:useLocalDpi xmlns:a14="http://schemas.microsoft.com/office/drawing/2010/main" xmlns="" val="0"/>
               </a:ext>
             </a:extLst>
           </a:blip>
@@ -7476,14 +8370,14 @@
           <a:effectLst/>
           <a:extLst>
             <a:ext uri="{909E8E84-426E-40DD-AFC4-6F175D3DCCD1}">
-              <a14:hiddenFill xmlns:a14="http://schemas.microsoft.com/office/drawing/2010/main">
+              <a14:hiddenFill xmlns:a14="http://schemas.microsoft.com/office/drawing/2010/main" xmlns="">
                 <a:solidFill>
                   <a:schemeClr val="accent1"/>
                 </a:solidFill>
               </a14:hiddenFill>
             </a:ext>
             <a:ext uri="{91240B29-F687-4F45-9708-019B960494DF}">
-              <a14:hiddenLine xmlns:a14="http://schemas.microsoft.com/office/drawing/2010/main" w="9525">
+              <a14:hiddenLine xmlns:a14="http://schemas.microsoft.com/office/drawing/2010/main" xmlns="" w="9525">
                 <a:solidFill>
                   <a:schemeClr val="tx1"/>
                 </a:solidFill>
@@ -7493,7 +8387,7 @@
               </a14:hiddenLine>
             </a:ext>
             <a:ext uri="{AF507438-7753-43E0-B8FC-AC1667EBCBE1}">
-              <a14:hiddenEffects xmlns:a14="http://schemas.microsoft.com/office/drawing/2010/main">
+              <a14:hiddenEffects xmlns:a14="http://schemas.microsoft.com/office/drawing/2010/main" xmlns="">
                 <a:effectLst>
                   <a:outerShdw dist="35921" dir="2700000" algn="ctr" rotWithShape="0">
                     <a:schemeClr val="bg2"/>
@@ -7504,10 +8398,40 @@
           </a:extLst>
         </p:spPr>
       </p:pic>
+      <p:pic>
+        <p:nvPicPr>
+          <p:cNvPr id="5" name="Picture 4"/>
+          <p:cNvPicPr>
+            <a:picLocks noChangeAspect="1"/>
+          </p:cNvPicPr>
+          <p:nvPr/>
+        </p:nvPicPr>
+        <p:blipFill>
+          <a:blip r:embed="rId3" cstate="print">
+            <a:extLst>
+              <a:ext uri="{28A0092B-C50C-407E-A947-70E740481C1C}">
+                <a14:useLocalDpi xmlns="" xmlns:a14="http://schemas.microsoft.com/office/drawing/2010/main" xmlns:lc="http://schemas.openxmlformats.org/drawingml/2006/lockedCanvas" val="0"/>
+              </a:ext>
+            </a:extLst>
+          </a:blip>
+          <a:stretch>
+            <a:fillRect/>
+          </a:stretch>
+        </p:blipFill>
+        <p:spPr>
+          <a:xfrm>
+            <a:off x="0" y="0"/>
+            <a:ext cx="1062463" cy="751114"/>
+          </a:xfrm>
+          <a:prstGeom prst="rect">
+            <a:avLst/>
+          </a:prstGeom>
+        </p:spPr>
+      </p:pic>
     </p:spTree>
     <p:extLst>
       <p:ext uri="{BB962C8B-B14F-4D97-AF65-F5344CB8AC3E}">
-        <p14:creationId xmlns:p14="http://schemas.microsoft.com/office/powerpoint/2010/main" val="2303390315"/>
+        <p14:creationId xmlns:p14="http://schemas.microsoft.com/office/powerpoint/2010/main" xmlns="" val="2303390315"/>
       </p:ext>
     </p:extLst>
   </p:cSld>
@@ -7609,10 +8533,40 @@
           </a:p>
         </p:txBody>
       </p:sp>
+      <p:pic>
+        <p:nvPicPr>
+          <p:cNvPr id="4" name="Picture 3"/>
+          <p:cNvPicPr>
+            <a:picLocks noChangeAspect="1"/>
+          </p:cNvPicPr>
+          <p:nvPr/>
+        </p:nvPicPr>
+        <p:blipFill>
+          <a:blip r:embed="rId2" cstate="print">
+            <a:extLst>
+              <a:ext uri="{28A0092B-C50C-407E-A947-70E740481C1C}">
+                <a14:useLocalDpi xmlns="" xmlns:a14="http://schemas.microsoft.com/office/drawing/2010/main" xmlns:lc="http://schemas.openxmlformats.org/drawingml/2006/lockedCanvas" val="0"/>
+              </a:ext>
+            </a:extLst>
+          </a:blip>
+          <a:stretch>
+            <a:fillRect/>
+          </a:stretch>
+        </p:blipFill>
+        <p:spPr>
+          <a:xfrm>
+            <a:off x="0" y="0"/>
+            <a:ext cx="1062463" cy="751114"/>
+          </a:xfrm>
+          <a:prstGeom prst="rect">
+            <a:avLst/>
+          </a:prstGeom>
+        </p:spPr>
+      </p:pic>
     </p:spTree>
     <p:extLst>
       <p:ext uri="{BB962C8B-B14F-4D97-AF65-F5344CB8AC3E}">
-        <p14:creationId xmlns:p14="http://schemas.microsoft.com/office/powerpoint/2010/main" val="2008575300"/>
+        <p14:creationId xmlns:p14="http://schemas.microsoft.com/office/powerpoint/2010/main" xmlns="" val="2008575300"/>
       </p:ext>
     </p:extLst>
   </p:cSld>
@@ -7693,7 +8647,7 @@
           <a:blip r:embed="rId2">
             <a:extLst>
               <a:ext uri="{28A0092B-C50C-407E-A947-70E740481C1C}">
-                <a14:useLocalDpi xmlns:a14="http://schemas.microsoft.com/office/drawing/2010/main" val="0"/>
+                <a14:useLocalDpi xmlns:a14="http://schemas.microsoft.com/office/drawing/2010/main" xmlns="" val="0"/>
               </a:ext>
             </a:extLst>
           </a:blip>
@@ -7717,14 +8671,14 @@
           <a:effectLst/>
           <a:extLst>
             <a:ext uri="{909E8E84-426E-40DD-AFC4-6F175D3DCCD1}">
-              <a14:hiddenFill xmlns:a14="http://schemas.microsoft.com/office/drawing/2010/main">
+              <a14:hiddenFill xmlns:a14="http://schemas.microsoft.com/office/drawing/2010/main" xmlns="">
                 <a:solidFill>
                   <a:schemeClr val="accent1"/>
                 </a:solidFill>
               </a14:hiddenFill>
             </a:ext>
             <a:ext uri="{91240B29-F687-4F45-9708-019B960494DF}">
-              <a14:hiddenLine xmlns:a14="http://schemas.microsoft.com/office/drawing/2010/main" w="9525">
+              <a14:hiddenLine xmlns:a14="http://schemas.microsoft.com/office/drawing/2010/main" xmlns="" w="9525">
                 <a:solidFill>
                   <a:schemeClr val="tx1"/>
                 </a:solidFill>
@@ -7734,7 +8688,7 @@
               </a14:hiddenLine>
             </a:ext>
             <a:ext uri="{AF507438-7753-43E0-B8FC-AC1667EBCBE1}">
-              <a14:hiddenEffects xmlns:a14="http://schemas.microsoft.com/office/drawing/2010/main">
+              <a14:hiddenEffects xmlns:a14="http://schemas.microsoft.com/office/drawing/2010/main" xmlns="">
                 <a:effectLst>
                   <a:outerShdw dist="35921" dir="2700000" algn="ctr" rotWithShape="0">
                     <a:schemeClr val="bg2"/>
@@ -7745,10 +8699,40 @@
           </a:extLst>
         </p:spPr>
       </p:pic>
+      <p:pic>
+        <p:nvPicPr>
+          <p:cNvPr id="5" name="Picture 4"/>
+          <p:cNvPicPr>
+            <a:picLocks noChangeAspect="1"/>
+          </p:cNvPicPr>
+          <p:nvPr/>
+        </p:nvPicPr>
+        <p:blipFill>
+          <a:blip r:embed="rId3" cstate="print">
+            <a:extLst>
+              <a:ext uri="{28A0092B-C50C-407E-A947-70E740481C1C}">
+                <a14:useLocalDpi xmlns="" xmlns:a14="http://schemas.microsoft.com/office/drawing/2010/main" xmlns:lc="http://schemas.openxmlformats.org/drawingml/2006/lockedCanvas" val="0"/>
+              </a:ext>
+            </a:extLst>
+          </a:blip>
+          <a:stretch>
+            <a:fillRect/>
+          </a:stretch>
+        </p:blipFill>
+        <p:spPr>
+          <a:xfrm>
+            <a:off x="0" y="0"/>
+            <a:ext cx="1062463" cy="751114"/>
+          </a:xfrm>
+          <a:prstGeom prst="rect">
+            <a:avLst/>
+          </a:prstGeom>
+        </p:spPr>
+      </p:pic>
     </p:spTree>
     <p:extLst>
       <p:ext uri="{BB962C8B-B14F-4D97-AF65-F5344CB8AC3E}">
-        <p14:creationId xmlns:p14="http://schemas.microsoft.com/office/powerpoint/2010/main" val="21021311"/>
+        <p14:creationId xmlns:p14="http://schemas.microsoft.com/office/powerpoint/2010/main" xmlns="" val="21021311"/>
       </p:ext>
     </p:extLst>
   </p:cSld>
@@ -7801,7 +8785,7 @@
     </a:clrScheme>
     <a:fontScheme name="Retrospect">
       <a:majorFont>
-        <a:latin typeface="Calibri Light" panose="020F0302020204030204"/>
+        <a:latin typeface="Calibri Light"/>
         <a:ea typeface=""/>
         <a:cs typeface=""/>
         <a:font script="Jpan" typeface="ＭＳ Ｐゴシック"/>
@@ -7836,7 +8820,7 @@
         <a:font script="Geor" typeface="Sylfaen"/>
       </a:majorFont>
       <a:minorFont>
-        <a:latin typeface="Calibri" panose="020F0502020204030204"/>
+        <a:latin typeface="Calibri"/>
         <a:ea typeface=""/>
         <a:cs typeface=""/>
         <a:font script="Jpan" typeface="ＭＳ Ｐゴシック"/>
@@ -8035,7 +9019,7 @@
   <a:extraClrSchemeLst/>
   <a:extLst>
     <a:ext uri="{05A4C25C-085E-4340-85A3-A5531E510DB2}">
-      <thm15:themeFamily xmlns:thm15="http://schemas.microsoft.com/office/thememl/2012/main" name="Retrospect" id="{5F128B03-DCCA-4EEB-AB3B-CF2899314A46}" vid="{3F1AAB62-24C6-49D2-8E01-B56FAC9A3DCD}"/>
+      <thm15:themeFamily xmlns:thm15="http://schemas.microsoft.com/office/thememl/2012/main" xmlns="" name="Retrospect" id="{5F128B03-DCCA-4EEB-AB3B-CF2899314A46}" vid="{3F1AAB62-24C6-49D2-8E01-B56FAC9A3DCD}"/>
     </a:ext>
   </a:extLst>
 </a:theme>
